--- a/ppt/3. 选择判断 .pptx
+++ b/ppt/3. 选择判断 .pptx
@@ -252,7 +252,7 @@
           <a:p>
             <a:fld id="{66C3546E-20F6-7649-A9A4-4E4A245D3E82}" type="datetimeFigureOut">
               <a:rPr kumimoji="1" lang="zh-CN" altLang="en-US" smtClean="0"/>
-              <a:t>2020/2/23</a:t>
+              <a:t>2020/2/24</a:t>
             </a:fld>
             <a:endParaRPr kumimoji="1" lang="zh-CN" altLang="en-US"/>
           </a:p>
@@ -2492,7 +2492,7 @@
           <a:p>
             <a:fld id="{1C49BB65-7B3F-4D4E-A397-BBFD82890A5A}" type="datetimeFigureOut">
               <a:rPr kumimoji="1" lang="zh-CN" altLang="en-US" smtClean="0"/>
-              <a:t>2020/2/23</a:t>
+              <a:t>2020/2/24</a:t>
             </a:fld>
             <a:endParaRPr kumimoji="1" lang="zh-CN" altLang="en-US"/>
           </a:p>
@@ -2690,7 +2690,7 @@
           <a:p>
             <a:fld id="{1C49BB65-7B3F-4D4E-A397-BBFD82890A5A}" type="datetimeFigureOut">
               <a:rPr kumimoji="1" lang="zh-CN" altLang="en-US" smtClean="0"/>
-              <a:t>2020/2/23</a:t>
+              <a:t>2020/2/24</a:t>
             </a:fld>
             <a:endParaRPr kumimoji="1" lang="zh-CN" altLang="en-US"/>
           </a:p>
@@ -2898,7 +2898,7 @@
           <a:p>
             <a:fld id="{1C49BB65-7B3F-4D4E-A397-BBFD82890A5A}" type="datetimeFigureOut">
               <a:rPr kumimoji="1" lang="zh-CN" altLang="en-US" smtClean="0"/>
-              <a:t>2020/2/23</a:t>
+              <a:t>2020/2/24</a:t>
             </a:fld>
             <a:endParaRPr kumimoji="1" lang="zh-CN" altLang="en-US"/>
           </a:p>
@@ -3096,7 +3096,7 @@
           <a:p>
             <a:fld id="{1C49BB65-7B3F-4D4E-A397-BBFD82890A5A}" type="datetimeFigureOut">
               <a:rPr kumimoji="1" lang="zh-CN" altLang="en-US" smtClean="0"/>
-              <a:t>2020/2/23</a:t>
+              <a:t>2020/2/24</a:t>
             </a:fld>
             <a:endParaRPr kumimoji="1" lang="zh-CN" altLang="en-US"/>
           </a:p>
@@ -3371,7 +3371,7 @@
           <a:p>
             <a:fld id="{1C49BB65-7B3F-4D4E-A397-BBFD82890A5A}" type="datetimeFigureOut">
               <a:rPr kumimoji="1" lang="zh-CN" altLang="en-US" smtClean="0"/>
-              <a:t>2020/2/23</a:t>
+              <a:t>2020/2/24</a:t>
             </a:fld>
             <a:endParaRPr kumimoji="1" lang="zh-CN" altLang="en-US"/>
           </a:p>
@@ -3636,7 +3636,7 @@
           <a:p>
             <a:fld id="{1C49BB65-7B3F-4D4E-A397-BBFD82890A5A}" type="datetimeFigureOut">
               <a:rPr kumimoji="1" lang="zh-CN" altLang="en-US" smtClean="0"/>
-              <a:t>2020/2/23</a:t>
+              <a:t>2020/2/24</a:t>
             </a:fld>
             <a:endParaRPr kumimoji="1" lang="zh-CN" altLang="en-US"/>
           </a:p>
@@ -4048,7 +4048,7 @@
           <a:p>
             <a:fld id="{1C49BB65-7B3F-4D4E-A397-BBFD82890A5A}" type="datetimeFigureOut">
               <a:rPr kumimoji="1" lang="zh-CN" altLang="en-US" smtClean="0"/>
-              <a:t>2020/2/23</a:t>
+              <a:t>2020/2/24</a:t>
             </a:fld>
             <a:endParaRPr kumimoji="1" lang="zh-CN" altLang="en-US"/>
           </a:p>
@@ -4189,7 +4189,7 @@
           <a:p>
             <a:fld id="{1C49BB65-7B3F-4D4E-A397-BBFD82890A5A}" type="datetimeFigureOut">
               <a:rPr kumimoji="1" lang="zh-CN" altLang="en-US" smtClean="0"/>
-              <a:t>2020/2/23</a:t>
+              <a:t>2020/2/24</a:t>
             </a:fld>
             <a:endParaRPr kumimoji="1" lang="zh-CN" altLang="en-US"/>
           </a:p>
@@ -4559,7 +4559,7 @@
           <a:p>
             <a:fld id="{1C49BB65-7B3F-4D4E-A397-BBFD82890A5A}" type="datetimeFigureOut">
               <a:rPr kumimoji="1" lang="zh-CN" altLang="en-US" smtClean="0"/>
-              <a:t>2020/2/23</a:t>
+              <a:t>2020/2/24</a:t>
             </a:fld>
             <a:endParaRPr kumimoji="1" lang="zh-CN" altLang="en-US"/>
           </a:p>
@@ -4847,7 +4847,7 @@
           <a:p>
             <a:fld id="{1C49BB65-7B3F-4D4E-A397-BBFD82890A5A}" type="datetimeFigureOut">
               <a:rPr kumimoji="1" lang="zh-CN" altLang="en-US" smtClean="0"/>
-              <a:t>2020/2/23</a:t>
+              <a:t>2020/2/24</a:t>
             </a:fld>
             <a:endParaRPr kumimoji="1" lang="zh-CN" altLang="en-US"/>
           </a:p>
@@ -5088,7 +5088,7 @@
           <a:p>
             <a:fld id="{1C49BB65-7B3F-4D4E-A397-BBFD82890A5A}" type="datetimeFigureOut">
               <a:rPr kumimoji="1" lang="zh-CN" altLang="en-US" smtClean="0"/>
-              <a:t>2020/2/23</a:t>
+              <a:t>2020/2/24</a:t>
             </a:fld>
             <a:endParaRPr kumimoji="1" lang="zh-CN" altLang="en-US"/>
           </a:p>
@@ -10015,8 +10015,8 @@
         </p:nvSpPr>
         <p:spPr>
           <a:xfrm>
-            <a:off x="1731818" y="2015173"/>
-            <a:ext cx="8728364" cy="3894143"/>
+            <a:off x="1731818" y="1428427"/>
+            <a:ext cx="8728364" cy="5833135"/>
           </a:xfrm>
           <a:prstGeom prst="rect">
             <a:avLst/>
@@ -10209,6 +10209,83 @@
                 <a:ea typeface="Microsoft YaHei" panose="020B0503020204020204" pitchFamily="34" charset="-122"/>
               </a:rPr>
               <a:t>{</a:t>
+            </a:r>
+          </a:p>
+          <a:p>
+            <a:pPr>
+              <a:lnSpc>
+                <a:spcPct val="150000"/>
+              </a:lnSpc>
+            </a:pPr>
+            <a:r>
+              <a:rPr kumimoji="1" lang="en-US" altLang="zh-CN" sz="2800" dirty="0">
+                <a:latin typeface="Microsoft YaHei" panose="020B0503020204020204" pitchFamily="34" charset="-122"/>
+                <a:ea typeface="Microsoft YaHei" panose="020B0503020204020204" pitchFamily="34" charset="-122"/>
+              </a:rPr>
+              <a:t>}</a:t>
+            </a:r>
+          </a:p>
+          <a:p>
+            <a:pPr>
+              <a:lnSpc>
+                <a:spcPct val="150000"/>
+              </a:lnSpc>
+            </a:pPr>
+            <a:r>
+              <a:rPr kumimoji="1" lang="en-US" altLang="zh-CN" sz="2800" dirty="0">
+                <a:latin typeface="Microsoft YaHei" panose="020B0503020204020204" pitchFamily="34" charset="-122"/>
+                <a:ea typeface="Microsoft YaHei" panose="020B0503020204020204" pitchFamily="34" charset="-122"/>
+              </a:rPr>
+              <a:t>//</a:t>
+            </a:r>
+            <a:r>
+              <a:rPr kumimoji="1" lang="zh-CN" altLang="en-US" sz="2800" dirty="0">
+                <a:latin typeface="Microsoft YaHei" panose="020B0503020204020204" pitchFamily="34" charset="-122"/>
+                <a:ea typeface="Microsoft YaHei" panose="020B0503020204020204" pitchFamily="34" charset="-122"/>
+              </a:rPr>
+              <a:t> </a:t>
+            </a:r>
+            <a:r>
+              <a:rPr kumimoji="1" lang="en-US" altLang="zh-CN" sz="2800" dirty="0">
+                <a:latin typeface="Microsoft YaHei" panose="020B0503020204020204" pitchFamily="34" charset="-122"/>
+                <a:ea typeface="Microsoft YaHei" panose="020B0503020204020204" pitchFamily="34" charset="-122"/>
+              </a:rPr>
+              <a:t>correct</a:t>
+            </a:r>
+          </a:p>
+          <a:p>
+            <a:pPr>
+              <a:lnSpc>
+                <a:spcPct val="150000"/>
+              </a:lnSpc>
+            </a:pPr>
+            <a:r>
+              <a:rPr kumimoji="1" lang="en-US" altLang="zh-CN" sz="2800" dirty="0">
+                <a:latin typeface="Microsoft YaHei" panose="020B0503020204020204" pitchFamily="34" charset="-122"/>
+                <a:ea typeface="Microsoft YaHei" panose="020B0503020204020204" pitchFamily="34" charset="-122"/>
+              </a:rPr>
+              <a:t>If</a:t>
+            </a:r>
+            <a:r>
+              <a:rPr kumimoji="1" lang="zh-CN" altLang="en-US" sz="2800" dirty="0">
+                <a:latin typeface="Microsoft YaHei" panose="020B0503020204020204" pitchFamily="34" charset="-122"/>
+                <a:ea typeface="Microsoft YaHei" panose="020B0503020204020204" pitchFamily="34" charset="-122"/>
+              </a:rPr>
+              <a:t>（</a:t>
+            </a:r>
+            <a:r>
+              <a:rPr kumimoji="1" lang="en-US" altLang="zh-CN" sz="2800" dirty="0" err="1">
+                <a:latin typeface="Microsoft YaHei" panose="020B0503020204020204" pitchFamily="34" charset="-122"/>
+                <a:ea typeface="Microsoft YaHei" panose="020B0503020204020204" pitchFamily="34" charset="-122"/>
+              </a:rPr>
+              <a:t>isPassed</a:t>
+            </a:r>
+            <a:r>
+              <a:rPr kumimoji="1" lang="en-US" altLang="zh-CN" sz="2800" dirty="0">
+                <a:latin typeface="Microsoft YaHei" panose="020B0503020204020204" pitchFamily="34" charset="-122"/>
+                <a:ea typeface="Microsoft YaHei" panose="020B0503020204020204" pitchFamily="34" charset="-122"/>
+              </a:rPr>
+              <a:t>){</a:t>
             </a:r>
           </a:p>
           <a:p>
